--- a/Presentationsmaterial/Dokument/1.0 Introduktion av kursen HT13.pptx
+++ b/Presentationsmaterial/Dokument/1.0 Introduktion av kursen HT13.pptx
@@ -3358,7 +3358,7 @@
             <a:fld id="{C2086EC0-F544-4AA1-A34F-7FDBD4720A31}" type="datetimeFigureOut">
               <a:rPr lang="sv-SE" smtClean="0"/>
               <a:pPr/>
-              <a:t>2013-11-08</a:t>
+              <a:t>2013-11-16</a:t>
             </a:fld>
             <a:endParaRPr lang="sv-SE"/>
           </a:p>
@@ -3525,7 +3525,7 @@
             <a:fld id="{CF15770E-51D9-4758-93F5-5F8B9233E029}" type="datetimeFigureOut">
               <a:rPr lang="sv-SE" smtClean="0"/>
               <a:pPr/>
-              <a:t>2013-11-08</a:t>
+              <a:t>2013-11-16</a:t>
             </a:fld>
             <a:endParaRPr lang="sv-SE"/>
           </a:p>
@@ -6561,19 +6561,7 @@
                 <a:latin typeface="Times New Roman" pitchFamily="18" charset="0"/>
                 <a:cs typeface="Times New Roman" pitchFamily="18" charset="0"/>
               </a:rPr>
-              <a:t>(</a:t>
-            </a:r>
-            <a:r>
-              <a:rPr lang="en-US" sz="700" dirty="0" smtClean="0">
-                <a:solidFill>
-                  <a:schemeClr val="bg1">
-                    <a:lumMod val="75000"/>
-                  </a:schemeClr>
-                </a:solidFill>
-                <a:latin typeface="Times New Roman" pitchFamily="18" charset="0"/>
-                <a:cs typeface="Times New Roman" pitchFamily="18" charset="0"/>
-              </a:rPr>
-              <a:t>14)</a:t>
+              <a:t>(14)</a:t>
             </a:r>
             <a:endParaRPr lang="en-US" sz="700" dirty="0">
               <a:solidFill>
@@ -10001,7 +9989,7 @@
       </p:graphicFrame>
       <p:pic>
         <p:nvPicPr>
-          <p:cNvPr id="17" name="Picture 2" descr="C:\Users\Mats\Desktop\icon_user1_24.png"/>
+          <p:cNvPr id="17" name="Picture 2"/>
           <p:cNvPicPr>
             <a:picLocks noChangeAspect="1" noChangeArrowheads="1"/>
           </p:cNvPicPr>
@@ -10027,7 +10015,7 @@
       </p:pic>
       <p:pic>
         <p:nvPicPr>
-          <p:cNvPr id="21" name="Picture 6" descr="C:\Users\Mats\Desktop\icon_office_chair_24.png"/>
+          <p:cNvPr id="21" name="Picture 6"/>
           <p:cNvPicPr>
             <a:picLocks noChangeAspect="1" noChangeArrowheads="1"/>
           </p:cNvPicPr>
@@ -10053,7 +10041,7 @@
       </p:pic>
       <p:pic>
         <p:nvPicPr>
-          <p:cNvPr id="25" name="Picture 8" descr="C:\Users\Mats\Desktop\icon_mail1_24.png"/>
+          <p:cNvPr id="25" name="Picture 8"/>
           <p:cNvPicPr>
             <a:picLocks noChangeAspect="1" noChangeArrowheads="1"/>
           </p:cNvPicPr>
@@ -10079,7 +10067,7 @@
       </p:pic>
       <p:pic>
         <p:nvPicPr>
-          <p:cNvPr id="27" name="Picture 11" descr="C:\Users\Mats\Desktop\mess.png"/>
+          <p:cNvPr id="27" name="Picture 11"/>
           <p:cNvPicPr>
             <a:picLocks noChangeAspect="1" noChangeArrowheads="1"/>
           </p:cNvPicPr>
@@ -10138,7 +10126,7 @@
       </p:pic>
       <p:pic>
         <p:nvPicPr>
-          <p:cNvPr id="29" name="Picture 13" descr="C:\Users\Mats\Desktop\phone.png"/>
+          <p:cNvPr id="29" name="Picture 13"/>
           <p:cNvPicPr>
             <a:picLocks noChangeAspect="1" noChangeArrowheads="1"/>
           </p:cNvPicPr>
@@ -10164,7 +10152,7 @@
       </p:pic>
       <p:pic>
         <p:nvPicPr>
-          <p:cNvPr id="30" name="Picture 2" descr="C:\Users\Mats\Desktop\icon_user1_24.png"/>
+          <p:cNvPr id="30" name="Picture 2"/>
           <p:cNvPicPr>
             <a:picLocks noChangeAspect="1" noChangeArrowheads="1"/>
           </p:cNvPicPr>
@@ -10190,7 +10178,7 @@
       </p:pic>
       <p:pic>
         <p:nvPicPr>
-          <p:cNvPr id="31" name="Picture 6" descr="C:\Users\Mats\Desktop\icon_office_chair_24.png"/>
+          <p:cNvPr id="31" name="Picture 6"/>
           <p:cNvPicPr>
             <a:picLocks noChangeAspect="1" noChangeArrowheads="1"/>
           </p:cNvPicPr>
@@ -10216,7 +10204,7 @@
       </p:pic>
       <p:pic>
         <p:nvPicPr>
-          <p:cNvPr id="32" name="Picture 8" descr="C:\Users\Mats\Desktop\icon_mail1_24.png"/>
+          <p:cNvPr id="32" name="Picture 8"/>
           <p:cNvPicPr>
             <a:picLocks noChangeAspect="1" noChangeArrowheads="1"/>
           </p:cNvPicPr>
@@ -10242,7 +10230,7 @@
       </p:pic>
       <p:pic>
         <p:nvPicPr>
-          <p:cNvPr id="33" name="Picture 11" descr="C:\Users\Mats\Desktop\mess.png"/>
+          <p:cNvPr id="33" name="Picture 11"/>
           <p:cNvPicPr>
             <a:picLocks noChangeAspect="1" noChangeArrowheads="1"/>
           </p:cNvPicPr>
@@ -10301,7 +10289,7 @@
       </p:pic>
       <p:pic>
         <p:nvPicPr>
-          <p:cNvPr id="35" name="Picture 13" descr="C:\Users\Mats\Desktop\phone.png"/>
+          <p:cNvPr id="35" name="Picture 13"/>
           <p:cNvPicPr>
             <a:picLocks noChangeAspect="1" noChangeArrowheads="1"/>
           </p:cNvPicPr>
@@ -10520,7 +10508,7 @@
       </p:sp>
       <p:pic>
         <p:nvPicPr>
-          <p:cNvPr id="5" name="Picture 5" descr="j0191083"/>
+          <p:cNvPr id="5" name="Picture 5"/>
           <p:cNvPicPr>
             <a:picLocks noChangeAspect="1" noChangeArrowheads="1"/>
           </p:cNvPicPr>
@@ -10923,7 +10911,7 @@
       </p:sp>
       <p:pic>
         <p:nvPicPr>
-          <p:cNvPr id="59393" name="Picture 1" descr="C:\Users\mats\AppData\Local\Microsoft\Windows\Temporary Internet Files\Low\Content.IE5\LWLN9N99\j0434750[1].png"/>
+          <p:cNvPr id="59393" name="Picture 1"/>
           <p:cNvPicPr>
             <a:picLocks noChangeAspect="1" noChangeArrowheads="1"/>
           </p:cNvPicPr>
@@ -11597,7 +11585,7 @@
       </p:grpSpPr>
       <p:pic>
         <p:nvPicPr>
-          <p:cNvPr id="2050" name="Picture 2" descr="C:\Users\mats\AppData\Local\Temp\SNAGHTML5d2cef76.PNG"/>
+          <p:cNvPr id="2050" name="Picture 2"/>
           <p:cNvPicPr>
             <a:picLocks noChangeAspect="1" noChangeArrowheads="1"/>
           </p:cNvPicPr>
@@ -11829,7 +11817,7 @@
       </p:grpSpPr>
       <p:pic>
         <p:nvPicPr>
-          <p:cNvPr id="5124" name="Picture 4" descr="C:\Users\mats\AppData\Local\Temp\SNAGHTML5d80a677.PNG"/>
+          <p:cNvPr id="5124" name="Picture 4"/>
           <p:cNvPicPr>
             <a:picLocks noChangeAspect="1" noChangeArrowheads="1"/>
           </p:cNvPicPr>
@@ -11870,7 +11858,7 @@
       </p:pic>
       <p:pic>
         <p:nvPicPr>
-          <p:cNvPr id="5122" name="Picture 2" descr="C:\Users\mats\AppData\Local\Temp\SNAGHTML5d7e51a3.PNG"/>
+          <p:cNvPr id="5122" name="Picture 2"/>
           <p:cNvPicPr>
             <a:picLocks noChangeAspect="1" noChangeArrowheads="1"/>
           </p:cNvPicPr>
@@ -11978,7 +11966,7 @@
       </p:sp>
       <p:pic>
         <p:nvPicPr>
-          <p:cNvPr id="5127" name="Picture 7" descr="C:\Users\mats\AppData\Local\Temp\SNAGHTML5d876468.PNG"/>
+          <p:cNvPr id="5127" name="Picture 7"/>
           <p:cNvPicPr>
             <a:picLocks noChangeAspect="1" noChangeArrowheads="1"/>
           </p:cNvPicPr>
